--- a/m12/ppt/Презентация.pptx
+++ b/m12/ppt/Презентация.pptx
@@ -244,7 +244,7 @@
           <a:p>
             <a:fld id="{56D26834-5DB3-4451-BEB8-B76B7C0DCE76}" type="datetimeFigureOut">
               <a:rPr lang="ru-RU" smtClean="0"/>
-              <a:t>07.11.2024</a:t>
+              <a:t>19.11.2024</a:t>
             </a:fld>
             <a:endParaRPr lang="ru-RU"/>
           </a:p>
@@ -422,7 +422,7 @@
           <a:p>
             <a:fld id="{46072826-B294-4B60-AAC1-7EDD02A53457}" type="datetimeFigureOut">
               <a:rPr lang="ru-RU" smtClean="0"/>
-              <a:t>07.11.2024</a:t>
+              <a:t>19.11.2024</a:t>
             </a:fld>
             <a:endParaRPr lang="ru-RU"/>
           </a:p>
@@ -15015,7 +15015,7 @@
           <a:p>
             <a:fld id="{EF790F8C-5FB9-4EFE-BCC7-F735A3026FD8}" type="datetimeFigureOut">
               <a:rPr lang="ru-RU" smtClean="0"/>
-              <a:t>07.11.2024</a:t>
+              <a:t>19.11.2024</a:t>
             </a:fld>
             <a:endParaRPr lang="ru-RU"/>
           </a:p>
@@ -18261,7 +18261,14 @@
                 <a:latin typeface="Times New Roman" panose="02020603050405020304" pitchFamily="18" charset="0"/>
                 <a:ea typeface="Times New Roman" panose="02020603050405020304" pitchFamily="18" charset="0"/>
               </a:rPr>
-              <a:t>на языке Python</a:t>
+              <a:t>на языке </a:t>
+            </a:r>
+            <a:r>
+              <a:rPr lang="ru-RU" sz="6400" b="1" kern="0">
+                <a:latin typeface="Times New Roman" panose="02020603050405020304" pitchFamily="18" charset="0"/>
+                <a:ea typeface="Times New Roman" panose="02020603050405020304" pitchFamily="18" charset="0"/>
+              </a:rPr>
+              <a:t>Python</a:t>
             </a:r>
             <a:endParaRPr lang="en-US" sz="6400" b="1" kern="0" dirty="0">
               <a:latin typeface="Times New Roman" panose="02020603050405020304" pitchFamily="18" charset="0"/>
@@ -19046,6 +19053,9 @@
                     </a:srgbClr>
                   </a:outerShdw>
                 </a:effectLst>
+                <a:highlight>
+                  <a:srgbClr val="FFFF00"/>
+                </a:highlight>
                 <a:latin typeface="Times New Roman"/>
               </a:rPr>
               <a:t>__</a:t>
@@ -19062,6 +19072,9 @@
                     </a:srgbClr>
                   </a:outerShdw>
                 </a:effectLst>
+                <a:highlight>
+                  <a:srgbClr val="FFFF00"/>
+                </a:highlight>
                 <a:latin typeface="Times New Roman"/>
               </a:rPr>
               <a:t>eq</a:t>
@@ -19078,6 +19091,9 @@
                     </a:srgbClr>
                   </a:outerShdw>
                 </a:effectLst>
+                <a:highlight>
+                  <a:srgbClr val="FFFF00"/>
+                </a:highlight>
                 <a:latin typeface="Times New Roman"/>
               </a:rPr>
               <a:t>__() – для равенства ==</a:t>
@@ -19101,6 +19117,9 @@
                     </a:srgbClr>
                   </a:outerShdw>
                 </a:effectLst>
+                <a:highlight>
+                  <a:srgbClr val="FFFF00"/>
+                </a:highlight>
                 <a:latin typeface="Times New Roman"/>
               </a:rPr>
               <a:t>__</a:t>
@@ -19117,6 +19136,9 @@
                     </a:srgbClr>
                   </a:outerShdw>
                 </a:effectLst>
+                <a:highlight>
+                  <a:srgbClr val="FFFF00"/>
+                </a:highlight>
                 <a:latin typeface="Times New Roman"/>
               </a:rPr>
               <a:t>ne</a:t>
@@ -19133,6 +19155,9 @@
                     </a:srgbClr>
                   </a:outerShdw>
                 </a:effectLst>
+                <a:highlight>
+                  <a:srgbClr val="FFFF00"/>
+                </a:highlight>
                 <a:latin typeface="Times New Roman"/>
               </a:rPr>
               <a:t>__() – для неравенства !=</a:t>
@@ -19156,6 +19181,9 @@
                     </a:srgbClr>
                   </a:outerShdw>
                 </a:effectLst>
+                <a:highlight>
+                  <a:srgbClr val="00FF00"/>
+                </a:highlight>
                 <a:latin typeface="Times New Roman"/>
               </a:rPr>
               <a:t>__</a:t>
@@ -19172,6 +19200,9 @@
                     </a:srgbClr>
                   </a:outerShdw>
                 </a:effectLst>
+                <a:highlight>
+                  <a:srgbClr val="00FF00"/>
+                </a:highlight>
                 <a:latin typeface="Times New Roman"/>
               </a:rPr>
               <a:t>lt</a:t>
@@ -19188,6 +19219,9 @@
                     </a:srgbClr>
                   </a:outerShdw>
                 </a:effectLst>
+                <a:highlight>
+                  <a:srgbClr val="00FF00"/>
+                </a:highlight>
                 <a:latin typeface="Times New Roman"/>
               </a:rPr>
               <a:t>__() – для оператора меньше &lt;</a:t>
@@ -19211,6 +19245,9 @@
                     </a:srgbClr>
                   </a:outerShdw>
                 </a:effectLst>
+                <a:highlight>
+                  <a:srgbClr val="00FFFF"/>
+                </a:highlight>
                 <a:latin typeface="Times New Roman"/>
               </a:rPr>
               <a:t>__</a:t>
@@ -19227,6 +19264,9 @@
                     </a:srgbClr>
                   </a:outerShdw>
                 </a:effectLst>
+                <a:highlight>
+                  <a:srgbClr val="00FFFF"/>
+                </a:highlight>
                 <a:latin typeface="Times New Roman"/>
               </a:rPr>
               <a:t>le</a:t>
@@ -19243,6 +19283,9 @@
                     </a:srgbClr>
                   </a:outerShdw>
                 </a:effectLst>
+                <a:highlight>
+                  <a:srgbClr val="00FFFF"/>
+                </a:highlight>
                 <a:latin typeface="Times New Roman"/>
               </a:rPr>
               <a:t>__() – для оператора меньше или равно &lt;=</a:t>
@@ -19266,6 +19309,9 @@
                     </a:srgbClr>
                   </a:outerShdw>
                 </a:effectLst>
+                <a:highlight>
+                  <a:srgbClr val="00FF00"/>
+                </a:highlight>
                 <a:latin typeface="Times New Roman"/>
               </a:rPr>
               <a:t>__</a:t>
@@ -19282,6 +19328,9 @@
                     </a:srgbClr>
                   </a:outerShdw>
                 </a:effectLst>
+                <a:highlight>
+                  <a:srgbClr val="00FF00"/>
+                </a:highlight>
                 <a:latin typeface="Times New Roman"/>
               </a:rPr>
               <a:t>gt</a:t>
@@ -19298,6 +19347,9 @@
                     </a:srgbClr>
                   </a:outerShdw>
                 </a:effectLst>
+                <a:highlight>
+                  <a:srgbClr val="00FF00"/>
+                </a:highlight>
                 <a:latin typeface="Times New Roman"/>
               </a:rPr>
               <a:t>__() – для оператора больше &gt;</a:t>
@@ -19321,6 +19373,9 @@
                     </a:srgbClr>
                   </a:outerShdw>
                 </a:effectLst>
+                <a:highlight>
+                  <a:srgbClr val="00FFFF"/>
+                </a:highlight>
                 <a:latin typeface="Times New Roman"/>
               </a:rPr>
               <a:t>__</a:t>
@@ -19337,6 +19392,9 @@
                     </a:srgbClr>
                   </a:outerShdw>
                 </a:effectLst>
+                <a:highlight>
+                  <a:srgbClr val="00FFFF"/>
+                </a:highlight>
                 <a:latin typeface="Times New Roman"/>
               </a:rPr>
               <a:t>ge</a:t>
@@ -19353,6 +19411,9 @@
                     </a:srgbClr>
                   </a:outerShdw>
                 </a:effectLst>
+                <a:highlight>
+                  <a:srgbClr val="00FFFF"/>
+                </a:highlight>
                 <a:latin typeface="Times New Roman"/>
               </a:rPr>
               <a:t>__() – для оператора больше или равно &gt;=</a:t>
@@ -19368,6 +19429,9 @@
                   </a:srgbClr>
                 </a:outerShdw>
               </a:effectLst>
+              <a:highlight>
+                <a:srgbClr val="00FFFF"/>
+              </a:highlight>
               <a:latin typeface="Times New Roman"/>
             </a:endParaRPr>
           </a:p>

--- a/m12/ppt/Презентация.pptx
+++ b/m12/ppt/Презентация.pptx
@@ -6,17 +6,18 @@
     <p:sldMasterId id="2147483858" r:id="rId2"/>
   </p:sldMasterIdLst>
   <p:notesMasterIdLst>
-    <p:notesMasterId r:id="rId8"/>
+    <p:notesMasterId r:id="rId9"/>
   </p:notesMasterIdLst>
   <p:handoutMasterIdLst>
-    <p:handoutMasterId r:id="rId9"/>
+    <p:handoutMasterId r:id="rId10"/>
   </p:handoutMasterIdLst>
   <p:sldIdLst>
     <p:sldId id="431" r:id="rId3"/>
     <p:sldId id="435" r:id="rId4"/>
-    <p:sldId id="433" r:id="rId5"/>
-    <p:sldId id="436" r:id="rId6"/>
-    <p:sldId id="363" r:id="rId7"/>
+    <p:sldId id="437" r:id="rId5"/>
+    <p:sldId id="433" r:id="rId6"/>
+    <p:sldId id="436" r:id="rId7"/>
+    <p:sldId id="363" r:id="rId8"/>
   </p:sldIdLst>
   <p:sldSz cx="12192000" cy="6858000"/>
   <p:notesSz cx="7099300" cy="10234613"/>
@@ -122,6 +123,7 @@
           <p14:sldIdLst>
             <p14:sldId id="431"/>
             <p14:sldId id="435"/>
+            <p14:sldId id="437"/>
             <p14:sldId id="433"/>
             <p14:sldId id="436"/>
             <p14:sldId id="363"/>
@@ -18624,6 +18626,76 @@
           <a:chExt cx="0" cy="0"/>
         </a:xfrm>
       </p:grpSpPr>
+      <p:pic>
+        <p:nvPicPr>
+          <p:cNvPr id="4" name="Рисунок 3">
+            <a:extLst>
+              <a:ext uri="{FF2B5EF4-FFF2-40B4-BE49-F238E27FC236}">
+                <a16:creationId xmlns:a16="http://schemas.microsoft.com/office/drawing/2014/main" id="{93BC1BAF-5768-4C13-A56F-FEF87D5D4D46}"/>
+              </a:ext>
+            </a:extLst>
+          </p:cNvPr>
+          <p:cNvPicPr>
+            <a:picLocks noChangeAspect="1"/>
+          </p:cNvPicPr>
+          <p:nvPr/>
+        </p:nvPicPr>
+        <p:blipFill>
+          <a:blip r:embed="rId2"/>
+          <a:stretch>
+            <a:fillRect/>
+          </a:stretch>
+        </p:blipFill>
+        <p:spPr>
+          <a:xfrm>
+            <a:off x="617833" y="624192"/>
+            <a:ext cx="8536767" cy="5416782"/>
+          </a:xfrm>
+          <a:prstGeom prst="rect">
+            <a:avLst/>
+          </a:prstGeom>
+          <a:ln>
+            <a:noFill/>
+          </a:ln>
+          <a:effectLst>
+            <a:outerShdw blurRad="292100" dist="139700" dir="2700000" algn="tl" rotWithShape="0">
+              <a:srgbClr val="333333">
+                <a:alpha val="65000"/>
+              </a:srgbClr>
+            </a:outerShdw>
+          </a:effectLst>
+        </p:spPr>
+      </p:pic>
+    </p:spTree>
+    <p:extLst>
+      <p:ext uri="{BB962C8B-B14F-4D97-AF65-F5344CB8AC3E}">
+        <p14:creationId xmlns:p14="http://schemas.microsoft.com/office/powerpoint/2010/main" val="3784303788"/>
+      </p:ext>
+    </p:extLst>
+  </p:cSld>
+  <p:clrMapOvr>
+    <a:masterClrMapping/>
+  </p:clrMapOvr>
+</p:sld>
+</file>
+
+<file path=ppt/slides/slide4.xml><?xml version="1.0" encoding="utf-8"?>
+<p:sld xmlns:a="http://schemas.openxmlformats.org/drawingml/2006/main" xmlns:r="http://schemas.openxmlformats.org/officeDocument/2006/relationships" xmlns:p="http://schemas.openxmlformats.org/presentationml/2006/main">
+  <p:cSld>
+    <p:spTree>
+      <p:nvGrpSpPr>
+        <p:cNvPr id="1" name=""/>
+        <p:cNvGrpSpPr/>
+        <p:nvPr/>
+      </p:nvGrpSpPr>
+      <p:grpSpPr>
+        <a:xfrm>
+          <a:off x="0" y="0"/>
+          <a:ext cx="0" cy="0"/>
+          <a:chOff x="0" y="0"/>
+          <a:chExt cx="0" cy="0"/>
+        </a:xfrm>
+      </p:grpSpPr>
       <p:sp>
         <p:nvSpPr>
           <p:cNvPr id="5" name="Прямоугольник 4">
@@ -18992,7 +19064,7 @@
 </p:sld>
 </file>
 
-<file path=ppt/slides/slide4.xml><?xml version="1.0" encoding="utf-8"?>
+<file path=ppt/slides/slide5.xml><?xml version="1.0" encoding="utf-8"?>
 <p:sld xmlns:a="http://schemas.openxmlformats.org/drawingml/2006/main" xmlns:r="http://schemas.openxmlformats.org/officeDocument/2006/relationships" xmlns:p="http://schemas.openxmlformats.org/presentationml/2006/main">
   <p:cSld>
     <p:spTree>
@@ -19536,7 +19608,7 @@
 </p:sld>
 </file>
 
-<file path=ppt/slides/slide5.xml><?xml version="1.0" encoding="utf-8"?>
+<file path=ppt/slides/slide6.xml><?xml version="1.0" encoding="utf-8"?>
 <p:sld xmlns:a="http://schemas.openxmlformats.org/drawingml/2006/main" xmlns:r="http://schemas.openxmlformats.org/officeDocument/2006/relationships" xmlns:p="http://schemas.openxmlformats.org/presentationml/2006/main">
   <p:cSld>
     <p:spTree>
